--- a/Class/Descrete Math/Lecture/Unit 1.pptx
+++ b/Class/Descrete Math/Lecture/Unit 1.pptx
@@ -284,7 +284,7 @@
           <a:p>
             <a:fld id="{EF81C154-24EB-4DDB-BA0E-30AEEC885212}" type="datetimeFigureOut">
               <a:rPr lang="en-US" smtClean="0"/>
-              <a:t>6/13/2023</a:t>
+              <a:t>6/27/2023</a:t>
             </a:fld>
             <a:endParaRPr lang="en-US"/>
           </a:p>
@@ -454,7 +454,7 @@
           <a:p>
             <a:fld id="{EF81C154-24EB-4DDB-BA0E-30AEEC885212}" type="datetimeFigureOut">
               <a:rPr lang="en-US" smtClean="0"/>
-              <a:t>6/13/2023</a:t>
+              <a:t>6/27/2023</a:t>
             </a:fld>
             <a:endParaRPr lang="en-US"/>
           </a:p>
@@ -634,7 +634,7 @@
           <a:p>
             <a:fld id="{EF81C154-24EB-4DDB-BA0E-30AEEC885212}" type="datetimeFigureOut">
               <a:rPr lang="en-US" smtClean="0"/>
-              <a:t>6/13/2023</a:t>
+              <a:t>6/27/2023</a:t>
             </a:fld>
             <a:endParaRPr lang="en-US"/>
           </a:p>
@@ -804,7 +804,7 @@
           <a:p>
             <a:fld id="{EF81C154-24EB-4DDB-BA0E-30AEEC885212}" type="datetimeFigureOut">
               <a:rPr lang="en-US" smtClean="0"/>
-              <a:t>6/13/2023</a:t>
+              <a:t>6/27/2023</a:t>
             </a:fld>
             <a:endParaRPr lang="en-US"/>
           </a:p>
@@ -1050,7 +1050,7 @@
           <a:p>
             <a:fld id="{EF81C154-24EB-4DDB-BA0E-30AEEC885212}" type="datetimeFigureOut">
               <a:rPr lang="en-US" smtClean="0"/>
-              <a:t>6/13/2023</a:t>
+              <a:t>6/27/2023</a:t>
             </a:fld>
             <a:endParaRPr lang="en-US"/>
           </a:p>
@@ -1282,7 +1282,7 @@
           <a:p>
             <a:fld id="{EF81C154-24EB-4DDB-BA0E-30AEEC885212}" type="datetimeFigureOut">
               <a:rPr lang="en-US" smtClean="0"/>
-              <a:t>6/13/2023</a:t>
+              <a:t>6/27/2023</a:t>
             </a:fld>
             <a:endParaRPr lang="en-US"/>
           </a:p>
@@ -1649,7 +1649,7 @@
           <a:p>
             <a:fld id="{EF81C154-24EB-4DDB-BA0E-30AEEC885212}" type="datetimeFigureOut">
               <a:rPr lang="en-US" smtClean="0"/>
-              <a:t>6/13/2023</a:t>
+              <a:t>6/27/2023</a:t>
             </a:fld>
             <a:endParaRPr lang="en-US"/>
           </a:p>
@@ -1767,7 +1767,7 @@
           <a:p>
             <a:fld id="{EF81C154-24EB-4DDB-BA0E-30AEEC885212}" type="datetimeFigureOut">
               <a:rPr lang="en-US" smtClean="0"/>
-              <a:t>6/13/2023</a:t>
+              <a:t>6/27/2023</a:t>
             </a:fld>
             <a:endParaRPr lang="en-US"/>
           </a:p>
@@ -1862,7 +1862,7 @@
           <a:p>
             <a:fld id="{EF81C154-24EB-4DDB-BA0E-30AEEC885212}" type="datetimeFigureOut">
               <a:rPr lang="en-US" smtClean="0"/>
-              <a:t>6/13/2023</a:t>
+              <a:t>6/27/2023</a:t>
             </a:fld>
             <a:endParaRPr lang="en-US"/>
           </a:p>
@@ -2139,7 +2139,7 @@
           <a:p>
             <a:fld id="{EF81C154-24EB-4DDB-BA0E-30AEEC885212}" type="datetimeFigureOut">
               <a:rPr lang="en-US" smtClean="0"/>
-              <a:t>6/13/2023</a:t>
+              <a:t>6/27/2023</a:t>
             </a:fld>
             <a:endParaRPr lang="en-US"/>
           </a:p>
@@ -2392,7 +2392,7 @@
           <a:p>
             <a:fld id="{EF81C154-24EB-4DDB-BA0E-30AEEC885212}" type="datetimeFigureOut">
               <a:rPr lang="en-US" smtClean="0"/>
-              <a:t>6/13/2023</a:t>
+              <a:t>6/27/2023</a:t>
             </a:fld>
             <a:endParaRPr lang="en-US"/>
           </a:p>
@@ -2605,7 +2605,7 @@
           <a:p>
             <a:fld id="{EF81C154-24EB-4DDB-BA0E-30AEEC885212}" type="datetimeFigureOut">
               <a:rPr lang="en-US" smtClean="0"/>
-              <a:t>6/13/2023</a:t>
+              <a:t>6/27/2023</a:t>
             </a:fld>
             <a:endParaRPr lang="en-US"/>
           </a:p>
@@ -5696,6 +5696,13 @@
   <p:clrMapOvr>
     <a:masterClrMapping/>
   </p:clrMapOvr>
+  <p:timing>
+    <p:tnLst>
+      <p:par>
+        <p:cTn id="1" dur="indefinite" restart="never" nodeType="tmRoot"/>
+      </p:par>
+    </p:tnLst>
+  </p:timing>
 </p:sld>
 </file>
 
@@ -5774,6 +5781,13 @@
   <p:clrMapOvr>
     <a:masterClrMapping/>
   </p:clrMapOvr>
+  <p:timing>
+    <p:tnLst>
+      <p:par>
+        <p:cTn id="1" dur="indefinite" restart="never" nodeType="tmRoot"/>
+      </p:par>
+    </p:tnLst>
+  </p:timing>
 </p:sld>
 </file>
 
@@ -5849,6 +5863,13 @@
   <p:clrMapOvr>
     <a:masterClrMapping/>
   </p:clrMapOvr>
+  <p:timing>
+    <p:tnLst>
+      <p:par>
+        <p:cTn id="1" dur="indefinite" restart="never" nodeType="tmRoot"/>
+      </p:par>
+    </p:tnLst>
+  </p:timing>
 </p:sld>
 </file>
 
@@ -5965,6 +5986,13 @@
   <p:clrMapOvr>
     <a:masterClrMapping/>
   </p:clrMapOvr>
+  <p:timing>
+    <p:tnLst>
+      <p:par>
+        <p:cTn id="1" dur="indefinite" restart="never" nodeType="tmRoot"/>
+      </p:par>
+    </p:tnLst>
+  </p:timing>
 </p:sld>
 </file>
 
@@ -6161,6 +6189,13 @@
   <p:clrMapOvr>
     <a:masterClrMapping/>
   </p:clrMapOvr>
+  <p:timing>
+    <p:tnLst>
+      <p:par>
+        <p:cTn id="1" dur="indefinite" restart="never" nodeType="tmRoot"/>
+      </p:par>
+    </p:tnLst>
+  </p:timing>
 </p:sld>
 </file>
 
@@ -6273,6 +6308,13 @@
   <p:clrMapOvr>
     <a:masterClrMapping/>
   </p:clrMapOvr>
+  <p:timing>
+    <p:tnLst>
+      <p:par>
+        <p:cTn id="1" dur="indefinite" restart="never" nodeType="tmRoot"/>
+      </p:par>
+    </p:tnLst>
+  </p:timing>
 </p:sld>
 </file>
 
@@ -6361,6 +6403,13 @@
   <p:clrMapOvr>
     <a:masterClrMapping/>
   </p:clrMapOvr>
+  <p:timing>
+    <p:tnLst>
+      <p:par>
+        <p:cTn id="1" dur="indefinite" restart="never" nodeType="tmRoot"/>
+      </p:par>
+    </p:tnLst>
+  </p:timing>
 </p:sld>
 </file>
 
@@ -6509,6 +6558,13 @@
   <p:clrMapOvr>
     <a:masterClrMapping/>
   </p:clrMapOvr>
+  <p:timing>
+    <p:tnLst>
+      <p:par>
+        <p:cTn id="1" dur="indefinite" restart="never" nodeType="tmRoot"/>
+      </p:par>
+    </p:tnLst>
+  </p:timing>
 </p:sld>
 </file>
 
@@ -6597,6 +6653,13 @@
   <p:clrMapOvr>
     <a:masterClrMapping/>
   </p:clrMapOvr>
+  <p:timing>
+    <p:tnLst>
+      <p:par>
+        <p:cTn id="1" dur="indefinite" restart="never" nodeType="tmRoot"/>
+      </p:par>
+    </p:tnLst>
+  </p:timing>
 </p:sld>
 </file>
 
@@ -6964,6 +7027,13 @@
   <p:clrMapOvr>
     <a:masterClrMapping/>
   </p:clrMapOvr>
+  <p:timing>
+    <p:tnLst>
+      <p:par>
+        <p:cTn id="1" dur="indefinite" restart="never" nodeType="tmRoot"/>
+      </p:par>
+    </p:tnLst>
+  </p:timing>
 </p:sld>
 </file>
 
@@ -7075,6 +7145,13 @@
   <p:clrMapOvr>
     <a:masterClrMapping/>
   </p:clrMapOvr>
+  <p:timing>
+    <p:tnLst>
+      <p:par>
+        <p:cTn id="1" dur="indefinite" restart="never" nodeType="tmRoot"/>
+      </p:par>
+    </p:tnLst>
+  </p:timing>
 </p:sld>
 </file>
 
@@ -7150,6 +7227,13 @@
   <p:clrMapOvr>
     <a:masterClrMapping/>
   </p:clrMapOvr>
+  <p:timing>
+    <p:tnLst>
+      <p:par>
+        <p:cTn id="1" dur="indefinite" restart="never" nodeType="tmRoot"/>
+      </p:par>
+    </p:tnLst>
+  </p:timing>
 </p:sld>
 </file>
 
